--- a/kadai-4/CP-StatesInternal-Blank_4-1.pptx
+++ b/kadai-4/CP-StatesInternal-Blank_4-1.pptx
@@ -243,7 +243,7 @@
           <a:p>
             <a:fld id="{AE3F4F02-A664-E449-9F2C-E1B4E5AAC933}" type="datetimeFigureOut">
               <a:rPr kumimoji="1" lang="ja-JP" altLang="en-US" smtClean="0"/>
-              <a:t>2023/10/1</a:t>
+              <a:t>2024/11/18</a:t>
             </a:fld>
             <a:endParaRPr kumimoji="1" lang="ja-JP" altLang="en-US"/>
           </a:p>
@@ -445,7 +445,7 @@
           <a:p>
             <a:fld id="{AE3F4F02-A664-E449-9F2C-E1B4E5AAC933}" type="datetimeFigureOut">
               <a:rPr kumimoji="1" lang="ja-JP" altLang="en-US" smtClean="0"/>
-              <a:t>2023/10/1</a:t>
+              <a:t>2024/11/18</a:t>
             </a:fld>
             <a:endParaRPr kumimoji="1" lang="ja-JP" altLang="en-US"/>
           </a:p>
@@ -657,7 +657,7 @@
           <a:p>
             <a:fld id="{AE3F4F02-A664-E449-9F2C-E1B4E5AAC933}" type="datetimeFigureOut">
               <a:rPr kumimoji="1" lang="ja-JP" altLang="en-US" smtClean="0"/>
-              <a:t>2023/10/1</a:t>
+              <a:t>2024/11/18</a:t>
             </a:fld>
             <a:endParaRPr kumimoji="1" lang="ja-JP" altLang="en-US"/>
           </a:p>
@@ -859,7 +859,7 @@
           <a:p>
             <a:fld id="{AE3F4F02-A664-E449-9F2C-E1B4E5AAC933}" type="datetimeFigureOut">
               <a:rPr kumimoji="1" lang="ja-JP" altLang="en-US" smtClean="0"/>
-              <a:t>2023/10/1</a:t>
+              <a:t>2024/11/18</a:t>
             </a:fld>
             <a:endParaRPr kumimoji="1" lang="ja-JP" altLang="en-US"/>
           </a:p>
@@ -1103,7 +1103,7 @@
           <a:p>
             <a:fld id="{AE3F4F02-A664-E449-9F2C-E1B4E5AAC933}" type="datetimeFigureOut">
               <a:rPr kumimoji="1" lang="ja-JP" altLang="en-US" smtClean="0"/>
-              <a:t>2023/10/1</a:t>
+              <a:t>2024/11/18</a:t>
             </a:fld>
             <a:endParaRPr kumimoji="1" lang="ja-JP" altLang="en-US"/>
           </a:p>
@@ -1399,7 +1399,7 @@
           <a:p>
             <a:fld id="{AE3F4F02-A664-E449-9F2C-E1B4E5AAC933}" type="datetimeFigureOut">
               <a:rPr kumimoji="1" lang="ja-JP" altLang="en-US" smtClean="0"/>
-              <a:t>2023/10/1</a:t>
+              <a:t>2024/11/18</a:t>
             </a:fld>
             <a:endParaRPr kumimoji="1" lang="ja-JP" altLang="en-US"/>
           </a:p>
@@ -1830,7 +1830,7 @@
           <a:p>
             <a:fld id="{AE3F4F02-A664-E449-9F2C-E1B4E5AAC933}" type="datetimeFigureOut">
               <a:rPr kumimoji="1" lang="ja-JP" altLang="en-US" smtClean="0"/>
-              <a:t>2023/10/1</a:t>
+              <a:t>2024/11/18</a:t>
             </a:fld>
             <a:endParaRPr kumimoji="1" lang="ja-JP" altLang="en-US"/>
           </a:p>
@@ -1948,7 +1948,7 @@
           <a:p>
             <a:fld id="{AE3F4F02-A664-E449-9F2C-E1B4E5AAC933}" type="datetimeFigureOut">
               <a:rPr kumimoji="1" lang="ja-JP" altLang="en-US" smtClean="0"/>
-              <a:t>2023/10/1</a:t>
+              <a:t>2024/11/18</a:t>
             </a:fld>
             <a:endParaRPr kumimoji="1" lang="ja-JP" altLang="en-US"/>
           </a:p>
@@ -2043,7 +2043,7 @@
           <a:p>
             <a:fld id="{AE3F4F02-A664-E449-9F2C-E1B4E5AAC933}" type="datetimeFigureOut">
               <a:rPr kumimoji="1" lang="ja-JP" altLang="en-US" smtClean="0"/>
-              <a:t>2023/10/1</a:t>
+              <a:t>2024/11/18</a:t>
             </a:fld>
             <a:endParaRPr kumimoji="1" lang="ja-JP" altLang="en-US"/>
           </a:p>
@@ -2352,7 +2352,7 @@
           <a:p>
             <a:fld id="{AE3F4F02-A664-E449-9F2C-E1B4E5AAC933}" type="datetimeFigureOut">
               <a:rPr kumimoji="1" lang="ja-JP" altLang="en-US" smtClean="0"/>
-              <a:t>2023/10/1</a:t>
+              <a:t>2024/11/18</a:t>
             </a:fld>
             <a:endParaRPr kumimoji="1" lang="ja-JP" altLang="en-US"/>
           </a:p>
@@ -2609,7 +2609,7 @@
           <a:p>
             <a:fld id="{AE3F4F02-A664-E449-9F2C-E1B4E5AAC933}" type="datetimeFigureOut">
               <a:rPr kumimoji="1" lang="ja-JP" altLang="en-US" smtClean="0"/>
-              <a:t>2023/10/1</a:t>
+              <a:t>2024/11/18</a:t>
             </a:fld>
             <a:endParaRPr kumimoji="1" lang="ja-JP" altLang="en-US"/>
           </a:p>
@@ -2854,7 +2854,7 @@
           <a:p>
             <a:fld id="{AE3F4F02-A664-E449-9F2C-E1B4E5AAC933}" type="datetimeFigureOut">
               <a:rPr kumimoji="1" lang="ja-JP" altLang="en-US" smtClean="0"/>
-              <a:t>2023/10/1</a:t>
+              <a:t>2024/11/18</a:t>
             </a:fld>
             <a:endParaRPr kumimoji="1" lang="ja-JP" altLang="en-US"/>
           </a:p>
@@ -3299,6 +3299,41 @@
           <a:lstStyle/>
           <a:p>
             <a:pPr algn="ctr"/>
+            <a:r>
+              <a:rPr lang="en-US" altLang="ja-JP" sz="1200" dirty="0" err="1">
+                <a:latin typeface="MS Mincho" panose="02020609040205080304" pitchFamily="49" charset="-128"/>
+                <a:ea typeface="MS Mincho" panose="02020609040205080304" pitchFamily="49" charset="-128"/>
+              </a:rPr>
+              <a:t>cJCextA</a:t>
+            </a:r>
+            <a:endParaRPr lang="en-US" altLang="ja-JP" sz="1200" dirty="0">
+              <a:latin typeface="MS Mincho" panose="02020609040205080304" pitchFamily="49" charset="-128"/>
+              <a:ea typeface="MS Mincho" panose="02020609040205080304" pitchFamily="49" charset="-128"/>
+            </a:endParaRPr>
+          </a:p>
+          <a:p>
+            <a:pPr algn="ctr"/>
+            <a:r>
+              <a:rPr lang="en-US" altLang="ja-JP" sz="1200" dirty="0" err="1">
+                <a:latin typeface="MS Mincho" panose="02020609040205080304" pitchFamily="49" charset="-128"/>
+                <a:ea typeface="MS Mincho" panose="02020609040205080304" pitchFamily="49" charset="-128"/>
+              </a:rPr>
+              <a:t>loadFZ</a:t>
+            </a:r>
+            <a:endParaRPr lang="en-US" altLang="ja-JP" sz="1200" dirty="0">
+              <a:latin typeface="MS Mincho" panose="02020609040205080304" pitchFamily="49" charset="-128"/>
+              <a:ea typeface="MS Mincho" panose="02020609040205080304" pitchFamily="49" charset="-128"/>
+            </a:endParaRPr>
+          </a:p>
+          <a:p>
+            <a:pPr algn="ctr"/>
+            <a:r>
+              <a:rPr lang="en-US" altLang="ja-JP" sz="1200" dirty="0" err="1">
+                <a:latin typeface="MS Mincho" panose="02020609040205080304" pitchFamily="49" charset="-128"/>
+                <a:ea typeface="MS Mincho" panose="02020609040205080304" pitchFamily="49" charset="-128"/>
+              </a:rPr>
+              <a:t>loadFC</a:t>
+            </a:r>
             <a:endParaRPr lang="ja-JP" altLang="en-US" sz="1200">
               <a:latin typeface="MS Mincho" panose="02020609040205080304" pitchFamily="49" charset="-128"/>
               <a:ea typeface="MS Mincho" panose="02020609040205080304" pitchFamily="49" charset="-128"/>
@@ -3345,7 +3380,118 @@
           <a:bodyPr wrap="none" anchor="ctr"/>
           <a:lstStyle/>
           <a:p>
+            <a:r>
+              <a:rPr lang="en-US" altLang="ja-JP" sz="1200" dirty="0" err="1">
+                <a:solidFill>
+                  <a:srgbClr val="FF0000"/>
+                </a:solidFill>
+                <a:latin typeface="MS Mincho" panose="02020609040205080304" pitchFamily="49" charset="-128"/>
+                <a:ea typeface="MS Mincho" panose="02020609040205080304" pitchFamily="49" charset="-128"/>
+              </a:rPr>
+              <a:t>cJCextA</a:t>
+            </a:r>
+            <a:r>
+              <a:rPr lang="en-US" altLang="ja-JP" sz="1200" dirty="0">
+                <a:solidFill>
+                  <a:srgbClr val="FF0000"/>
+                </a:solidFill>
+                <a:latin typeface="MS Mincho" panose="02020609040205080304" pitchFamily="49" charset="-128"/>
+                <a:ea typeface="MS Mincho" panose="02020609040205080304" pitchFamily="49" charset="-128"/>
+              </a:rPr>
+              <a:t> if IR = SETIXF, SETIXL, LDIA, LDIB, JP, JPZ(Z=1), JPC(C=1)</a:t>
+            </a:r>
+          </a:p>
+          <a:p>
+            <a:r>
+              <a:rPr lang="en-US" altLang="ja-JP" sz="1200" dirty="0" err="1">
+                <a:solidFill>
+                  <a:srgbClr val="FF0000"/>
+                </a:solidFill>
+                <a:latin typeface="MS Mincho" panose="02020609040205080304" pitchFamily="49" charset="-128"/>
+                <a:ea typeface="MS Mincho" panose="02020609040205080304" pitchFamily="49" charset="-128"/>
+              </a:rPr>
+              <a:t>cFCextB</a:t>
+            </a:r>
+            <a:r>
+              <a:rPr lang="en-US" altLang="ja-JP" sz="1200" dirty="0">
+                <a:solidFill>
+                  <a:srgbClr val="FF0000"/>
+                </a:solidFill>
+                <a:latin typeface="MS Mincho" panose="02020609040205080304" pitchFamily="49" charset="-128"/>
+                <a:ea typeface="MS Mincho" panose="02020609040205080304" pitchFamily="49" charset="-128"/>
+              </a:rPr>
+              <a:t> if IR = LDDA, LDDB</a:t>
+            </a:r>
+          </a:p>
+          <a:p>
+            <a:r>
+              <a:rPr lang="en-US" altLang="ja-JP" sz="1200" dirty="0" err="1">
+                <a:solidFill>
+                  <a:srgbClr val="FF0000"/>
+                </a:solidFill>
+                <a:latin typeface="MS Mincho" panose="02020609040205080304" pitchFamily="49" charset="-128"/>
+                <a:ea typeface="MS Mincho" panose="02020609040205080304" pitchFamily="49" charset="-128"/>
+              </a:rPr>
+              <a:t>cJCextC</a:t>
+            </a:r>
+            <a:r>
+              <a:rPr lang="en-US" altLang="ja-JP" sz="1200" dirty="0">
+                <a:solidFill>
+                  <a:srgbClr val="FF0000"/>
+                </a:solidFill>
+                <a:latin typeface="MS Mincho" panose="02020609040205080304" pitchFamily="49" charset="-128"/>
+                <a:ea typeface="MS Mincho" panose="02020609040205080304" pitchFamily="49" charset="-128"/>
+              </a:rPr>
+              <a:t> if IR = STDA</a:t>
+            </a:r>
+          </a:p>
+          <a:p>
+            <a:r>
+              <a:rPr lang="en-US" altLang="ja-JP" sz="1200" dirty="0" err="1">
+                <a:solidFill>
+                  <a:srgbClr val="FF0000"/>
+                </a:solidFill>
+                <a:latin typeface="MS Mincho" panose="02020609040205080304" pitchFamily="49" charset="-128"/>
+                <a:ea typeface="MS Mincho" panose="02020609040205080304" pitchFamily="49" charset="-128"/>
+              </a:rPr>
+              <a:t>cJCextD</a:t>
+            </a:r>
+            <a:r>
+              <a:rPr lang="en-US" altLang="ja-JP" sz="1200" dirty="0">
+                <a:solidFill>
+                  <a:srgbClr val="FF0000"/>
+                </a:solidFill>
+                <a:latin typeface="MS Mincho" panose="02020609040205080304" pitchFamily="49" charset="-128"/>
+                <a:ea typeface="MS Mincho" panose="02020609040205080304" pitchFamily="49" charset="-128"/>
+              </a:rPr>
+              <a:t> if IR = STDB</a:t>
+            </a:r>
+          </a:p>
+          <a:p>
+            <a:r>
+              <a:rPr lang="en-US" altLang="ja-JP" sz="1200" dirty="0" err="1">
+                <a:solidFill>
+                  <a:srgbClr val="FF0000"/>
+                </a:solidFill>
+                <a:latin typeface="MS Mincho" panose="02020609040205080304" pitchFamily="49" charset="-128"/>
+                <a:ea typeface="MS Mincho" panose="02020609040205080304" pitchFamily="49" charset="-128"/>
+              </a:rPr>
+              <a:t>cJCextE</a:t>
+            </a:r>
+            <a:r>
+              <a:rPr lang="en-US" altLang="ja-JP" sz="1200" dirty="0">
+                <a:solidFill>
+                  <a:srgbClr val="FF0000"/>
+                </a:solidFill>
+                <a:latin typeface="MS Mincho" panose="02020609040205080304" pitchFamily="49" charset="-128"/>
+                <a:ea typeface="MS Mincho" panose="02020609040205080304" pitchFamily="49" charset="-128"/>
+              </a:rPr>
+              <a:t> if IR = STDI</a:t>
+            </a:r>
             <a:endParaRPr lang="ja-JP" altLang="en-US" sz="1200">
+              <a:solidFill>
+                <a:srgbClr val="FF0000"/>
+              </a:solidFill>
               <a:latin typeface="MS Mincho" panose="02020609040205080304" pitchFamily="49" charset="-128"/>
               <a:ea typeface="MS Mincho" panose="02020609040205080304" pitchFamily="49" charset="-128"/>
             </a:endParaRPr>
@@ -10979,7 +11125,19 @@
           <a:bodyPr wrap="none" anchor="ctr"/>
           <a:lstStyle/>
           <a:p>
-            <a:endParaRPr lang="ja-JP" altLang="en-US"/>
+            <a:r>
+              <a:rPr lang="en-US" altLang="ja-JP" dirty="0" err="1">
+                <a:solidFill>
+                  <a:srgbClr val="FF0000"/>
+                </a:solidFill>
+              </a:rPr>
+              <a:t>cJCextA</a:t>
+            </a:r>
+            <a:endParaRPr lang="ja-JP" altLang="en-US">
+              <a:solidFill>
+                <a:srgbClr val="FF0000"/>
+              </a:solidFill>
+            </a:endParaRPr>
           </a:p>
         </p:txBody>
       </p:sp>
@@ -15669,7 +15827,19 @@
           <a:bodyPr wrap="none" anchor="ctr"/>
           <a:lstStyle/>
           <a:p>
-            <a:endParaRPr lang="ja-JP" altLang="en-US"/>
+            <a:r>
+              <a:rPr lang="en-US" altLang="ja-JP" dirty="0" err="1">
+                <a:solidFill>
+                  <a:srgbClr val="FF0000"/>
+                </a:solidFill>
+              </a:rPr>
+              <a:t>cJCextA</a:t>
+            </a:r>
+            <a:endParaRPr lang="ja-JP" altLang="en-US">
+              <a:solidFill>
+                <a:srgbClr val="FF0000"/>
+              </a:solidFill>
+            </a:endParaRPr>
           </a:p>
         </p:txBody>
       </p:sp>
@@ -16476,6 +16646,27 @@
           <a:lstStyle/>
           <a:p>
             <a:pPr algn="ctr"/>
+            <a:r>
+              <a:rPr lang="en-US" altLang="ja-JP" sz="1200" dirty="0" err="1">
+                <a:latin typeface="MS Mincho" panose="02020609040205080304" pitchFamily="49" charset="-128"/>
+                <a:ea typeface="MS Mincho" panose="02020609040205080304" pitchFamily="49" charset="-128"/>
+              </a:rPr>
+              <a:t>loadhMB</a:t>
+            </a:r>
+            <a:endParaRPr lang="en-US" altLang="ja-JP" sz="1200" dirty="0">
+              <a:latin typeface="MS Mincho" panose="02020609040205080304" pitchFamily="49" charset="-128"/>
+              <a:ea typeface="MS Mincho" panose="02020609040205080304" pitchFamily="49" charset="-128"/>
+            </a:endParaRPr>
+          </a:p>
+          <a:p>
+            <a:pPr algn="ctr"/>
+            <a:r>
+              <a:rPr lang="en-US" altLang="ja-JP" sz="1200" dirty="0" err="1">
+                <a:latin typeface="MS Mincho" panose="02020609040205080304" pitchFamily="49" charset="-128"/>
+                <a:ea typeface="MS Mincho" panose="02020609040205080304" pitchFamily="49" charset="-128"/>
+              </a:rPr>
+              <a:t>incIF</a:t>
+            </a:r>
             <a:endParaRPr lang="ja-JP" altLang="en-US" sz="1200">
               <a:latin typeface="MS Mincho" panose="02020609040205080304" pitchFamily="49" charset="-128"/>
               <a:ea typeface="MS Mincho" panose="02020609040205080304" pitchFamily="49" charset="-128"/>
@@ -16570,6 +16761,23 @@
           <a:lstStyle/>
           <a:p>
             <a:pPr algn="ctr"/>
+            <a:r>
+              <a:rPr lang="en-US" altLang="ja-JP" sz="1200" dirty="0">
+                <a:latin typeface="MS Mincho" panose="02020609040205080304" pitchFamily="49" charset="-128"/>
+                <a:ea typeface="MS Mincho" panose="02020609040205080304" pitchFamily="49" charset="-128"/>
+              </a:rPr>
+              <a:t>Cel</a:t>
+            </a:r>
+          </a:p>
+          <a:p>
+            <a:pPr algn="ctr"/>
+            <a:r>
+              <a:rPr lang="en-US" altLang="ja-JP" sz="1200" dirty="0" err="1">
+                <a:latin typeface="MS Mincho" panose="02020609040205080304" pitchFamily="49" charset="-128"/>
+                <a:ea typeface="MS Mincho" panose="02020609040205080304" pitchFamily="49" charset="-128"/>
+              </a:rPr>
+              <a:t>loadlMB</a:t>
+            </a:r>
             <a:endParaRPr lang="ja-JP" altLang="en-US" sz="1200">
               <a:latin typeface="MS Mincho" panose="02020609040205080304" pitchFamily="49" charset="-128"/>
               <a:ea typeface="MS Mincho" panose="02020609040205080304" pitchFamily="49" charset="-128"/>
@@ -16617,6 +16825,27 @@
           <a:lstStyle/>
           <a:p>
             <a:pPr algn="ctr"/>
+            <a:r>
+              <a:rPr lang="en-US" altLang="ja-JP" sz="1200" dirty="0" err="1">
+                <a:latin typeface="MS Mincho" panose="02020609040205080304" pitchFamily="49" charset="-128"/>
+                <a:ea typeface="MS Mincho" panose="02020609040205080304" pitchFamily="49" charset="-128"/>
+              </a:rPr>
+              <a:t>cJCextA</a:t>
+            </a:r>
+            <a:endParaRPr lang="en-US" altLang="ja-JP" sz="1200" dirty="0">
+              <a:latin typeface="MS Mincho" panose="02020609040205080304" pitchFamily="49" charset="-128"/>
+              <a:ea typeface="MS Mincho" panose="02020609040205080304" pitchFamily="49" charset="-128"/>
+            </a:endParaRPr>
+          </a:p>
+          <a:p>
+            <a:pPr algn="ctr"/>
+            <a:r>
+              <a:rPr lang="en-US" altLang="ja-JP" sz="1200" dirty="0" err="1">
+                <a:latin typeface="MS Mincho" panose="02020609040205080304" pitchFamily="49" charset="-128"/>
+                <a:ea typeface="MS Mincho" panose="02020609040205080304" pitchFamily="49" charset="-128"/>
+              </a:rPr>
+              <a:t>loadIP</a:t>
+            </a:r>
             <a:endParaRPr lang="en-US" altLang="ja-JP" sz="1200" dirty="0">
               <a:latin typeface="MS Mincho" panose="02020609040205080304" pitchFamily="49" charset="-128"/>
               <a:ea typeface="MS Mincho" panose="02020609040205080304" pitchFamily="49" charset="-128"/>
@@ -16664,6 +16893,13 @@
           <a:lstStyle/>
           <a:p>
             <a:pPr algn="ctr"/>
+            <a:r>
+              <a:rPr lang="en-US" altLang="ja-JP" sz="1200" dirty="0" err="1">
+                <a:latin typeface="MS Mincho" panose="02020609040205080304" pitchFamily="49" charset="-128"/>
+                <a:ea typeface="MS Mincho" panose="02020609040205080304" pitchFamily="49" charset="-128"/>
+              </a:rPr>
+              <a:t>selMuxDIn</a:t>
+            </a:r>
             <a:endParaRPr lang="ja-JP" altLang="en-US" sz="1200">
               <a:latin typeface="MS Mincho" panose="02020609040205080304" pitchFamily="49" charset="-128"/>
               <a:ea typeface="MS Mincho" panose="02020609040205080304" pitchFamily="49" charset="-128"/>
@@ -17964,6 +18200,41 @@
           <a:lstStyle/>
           <a:p>
             <a:pPr algn="ctr"/>
+            <a:r>
+              <a:rPr lang="en-US" altLang="ja-JP" sz="1200" dirty="0" err="1">
+                <a:latin typeface="MS Mincho" panose="02020609040205080304" pitchFamily="49" charset="-128"/>
+                <a:ea typeface="MS Mincho" panose="02020609040205080304" pitchFamily="49" charset="-128"/>
+              </a:rPr>
+              <a:t>selMuxDIn</a:t>
+            </a:r>
+            <a:endParaRPr lang="en-US" altLang="ja-JP" sz="1200" dirty="0">
+              <a:latin typeface="MS Mincho" panose="02020609040205080304" pitchFamily="49" charset="-128"/>
+              <a:ea typeface="MS Mincho" panose="02020609040205080304" pitchFamily="49" charset="-128"/>
+            </a:endParaRPr>
+          </a:p>
+          <a:p>
+            <a:pPr algn="ctr"/>
+            <a:r>
+              <a:rPr lang="en-US" altLang="ja-JP" sz="1200" dirty="0" err="1">
+                <a:latin typeface="MS Mincho" panose="02020609040205080304" pitchFamily="49" charset="-128"/>
+                <a:ea typeface="MS Mincho" panose="02020609040205080304" pitchFamily="49" charset="-128"/>
+              </a:rPr>
+              <a:t>loadRegC</a:t>
+            </a:r>
+            <a:endParaRPr lang="en-US" altLang="ja-JP" sz="1200" dirty="0">
+              <a:latin typeface="MS Mincho" panose="02020609040205080304" pitchFamily="49" charset="-128"/>
+              <a:ea typeface="MS Mincho" panose="02020609040205080304" pitchFamily="49" charset="-128"/>
+            </a:endParaRPr>
+          </a:p>
+          <a:p>
+            <a:pPr algn="ctr"/>
+            <a:r>
+              <a:rPr lang="en-US" altLang="ja-JP" sz="1200" dirty="0" err="1">
+                <a:latin typeface="MS Mincho" panose="02020609040205080304" pitchFamily="49" charset="-128"/>
+                <a:ea typeface="MS Mincho" panose="02020609040205080304" pitchFamily="49" charset="-128"/>
+              </a:rPr>
+              <a:t>incIP</a:t>
+            </a:r>
             <a:endParaRPr lang="ja-JP" altLang="en-US" sz="1200">
               <a:latin typeface="MS Mincho" panose="02020609040205080304" pitchFamily="49" charset="-128"/>
               <a:ea typeface="MS Mincho" panose="02020609040205080304" pitchFamily="49" charset="-128"/>
@@ -18058,6 +18329,13 @@
           <a:lstStyle/>
           <a:p>
             <a:pPr algn="ctr"/>
+            <a:r>
+              <a:rPr lang="en-US" altLang="ja-JP" sz="1200" b="1" dirty="0" err="1">
+                <a:latin typeface="MS Mincho" panose="02020609040205080304" pitchFamily="49" charset="-128"/>
+                <a:ea typeface="MS Mincho" panose="02020609040205080304" pitchFamily="49" charset="-128"/>
+              </a:rPr>
+              <a:t>cJCextA</a:t>
+            </a:r>
             <a:endParaRPr lang="en-US" altLang="ja-JP" sz="1200" b="1" dirty="0">
               <a:latin typeface="MS Mincho" panose="02020609040205080304" pitchFamily="49" charset="-128"/>
               <a:ea typeface="MS Mincho" panose="02020609040205080304" pitchFamily="49" charset="-128"/>
@@ -21716,6 +21994,27 @@
           <a:lstStyle/>
           <a:p>
             <a:pPr algn="ctr"/>
+            <a:r>
+              <a:rPr lang="en-US" altLang="ja-JP" sz="1200" dirty="0" err="1">
+                <a:latin typeface="MS Mincho" panose="02020609040205080304" pitchFamily="49" charset="-128"/>
+                <a:ea typeface="MS Mincho" panose="02020609040205080304" pitchFamily="49" charset="-128"/>
+              </a:rPr>
+              <a:t>cJCextA</a:t>
+            </a:r>
+            <a:endParaRPr lang="en-US" altLang="ja-JP" sz="1200" dirty="0">
+              <a:latin typeface="MS Mincho" panose="02020609040205080304" pitchFamily="49" charset="-128"/>
+              <a:ea typeface="MS Mincho" panose="02020609040205080304" pitchFamily="49" charset="-128"/>
+            </a:endParaRPr>
+          </a:p>
+          <a:p>
+            <a:pPr algn="ctr"/>
+            <a:r>
+              <a:rPr lang="en-US" altLang="ja-JP" sz="1200" dirty="0">
+                <a:latin typeface="MS Mincho" panose="02020609040205080304" pitchFamily="49" charset="-128"/>
+                <a:ea typeface="MS Mincho" panose="02020609040205080304" pitchFamily="49" charset="-128"/>
+              </a:rPr>
+              <a:t>inc2IP</a:t>
+            </a:r>
             <a:endParaRPr lang="ja-JP" altLang="en-US" sz="1200">
               <a:latin typeface="MS Mincho" panose="02020609040205080304" pitchFamily="49" charset="-128"/>
               <a:ea typeface="MS Mincho" panose="02020609040205080304" pitchFamily="49" charset="-128"/>
@@ -22489,6 +22788,13 @@
           <a:lstStyle/>
           <a:p>
             <a:pPr algn="ctr"/>
+            <a:r>
+              <a:rPr lang="en-US" altLang="ja-JP" sz="1200" b="1" dirty="0" err="1">
+                <a:latin typeface="MS Mincho" panose="02020609040205080304" pitchFamily="49" charset="-128"/>
+                <a:ea typeface="MS Mincho" panose="02020609040205080304" pitchFamily="49" charset="-128"/>
+              </a:rPr>
+              <a:t>cJCextA</a:t>
+            </a:r>
             <a:endParaRPr lang="ja-JP" altLang="en-US" sz="1200" b="1">
               <a:latin typeface="MS Mincho" panose="02020609040205080304" pitchFamily="49" charset="-128"/>
               <a:ea typeface="MS Mincho" panose="02020609040205080304" pitchFamily="49" charset="-128"/>

--- a/kadai-4/CP-StatesInternal-Blank_4-1.pptx
+++ b/kadai-4/CP-StatesInternal-Blank_4-1.pptx
@@ -243,7 +243,7 @@
           <a:p>
             <a:fld id="{AE3F4F02-A664-E449-9F2C-E1B4E5AAC933}" type="datetimeFigureOut">
               <a:rPr kumimoji="1" lang="ja-JP" altLang="en-US" smtClean="0"/>
-              <a:t>2024/11/18</a:t>
+              <a:t>2024/11/25</a:t>
             </a:fld>
             <a:endParaRPr kumimoji="1" lang="ja-JP" altLang="en-US"/>
           </a:p>
@@ -445,7 +445,7 @@
           <a:p>
             <a:fld id="{AE3F4F02-A664-E449-9F2C-E1B4E5AAC933}" type="datetimeFigureOut">
               <a:rPr kumimoji="1" lang="ja-JP" altLang="en-US" smtClean="0"/>
-              <a:t>2024/11/18</a:t>
+              <a:t>2024/11/25</a:t>
             </a:fld>
             <a:endParaRPr kumimoji="1" lang="ja-JP" altLang="en-US"/>
           </a:p>
@@ -657,7 +657,7 @@
           <a:p>
             <a:fld id="{AE3F4F02-A664-E449-9F2C-E1B4E5AAC933}" type="datetimeFigureOut">
               <a:rPr kumimoji="1" lang="ja-JP" altLang="en-US" smtClean="0"/>
-              <a:t>2024/11/18</a:t>
+              <a:t>2024/11/25</a:t>
             </a:fld>
             <a:endParaRPr kumimoji="1" lang="ja-JP" altLang="en-US"/>
           </a:p>
@@ -859,7 +859,7 @@
           <a:p>
             <a:fld id="{AE3F4F02-A664-E449-9F2C-E1B4E5AAC933}" type="datetimeFigureOut">
               <a:rPr kumimoji="1" lang="ja-JP" altLang="en-US" smtClean="0"/>
-              <a:t>2024/11/18</a:t>
+              <a:t>2024/11/25</a:t>
             </a:fld>
             <a:endParaRPr kumimoji="1" lang="ja-JP" altLang="en-US"/>
           </a:p>
@@ -1103,7 +1103,7 @@
           <a:p>
             <a:fld id="{AE3F4F02-A664-E449-9F2C-E1B4E5AAC933}" type="datetimeFigureOut">
               <a:rPr kumimoji="1" lang="ja-JP" altLang="en-US" smtClean="0"/>
-              <a:t>2024/11/18</a:t>
+              <a:t>2024/11/25</a:t>
             </a:fld>
             <a:endParaRPr kumimoji="1" lang="ja-JP" altLang="en-US"/>
           </a:p>
@@ -1399,7 +1399,7 @@
           <a:p>
             <a:fld id="{AE3F4F02-A664-E449-9F2C-E1B4E5AAC933}" type="datetimeFigureOut">
               <a:rPr kumimoji="1" lang="ja-JP" altLang="en-US" smtClean="0"/>
-              <a:t>2024/11/18</a:t>
+              <a:t>2024/11/25</a:t>
             </a:fld>
             <a:endParaRPr kumimoji="1" lang="ja-JP" altLang="en-US"/>
           </a:p>
@@ -1830,7 +1830,7 @@
           <a:p>
             <a:fld id="{AE3F4F02-A664-E449-9F2C-E1B4E5AAC933}" type="datetimeFigureOut">
               <a:rPr kumimoji="1" lang="ja-JP" altLang="en-US" smtClean="0"/>
-              <a:t>2024/11/18</a:t>
+              <a:t>2024/11/25</a:t>
             </a:fld>
             <a:endParaRPr kumimoji="1" lang="ja-JP" altLang="en-US"/>
           </a:p>
@@ -1948,7 +1948,7 @@
           <a:p>
             <a:fld id="{AE3F4F02-A664-E449-9F2C-E1B4E5AAC933}" type="datetimeFigureOut">
               <a:rPr kumimoji="1" lang="ja-JP" altLang="en-US" smtClean="0"/>
-              <a:t>2024/11/18</a:t>
+              <a:t>2024/11/25</a:t>
             </a:fld>
             <a:endParaRPr kumimoji="1" lang="ja-JP" altLang="en-US"/>
           </a:p>
@@ -2043,7 +2043,7 @@
           <a:p>
             <a:fld id="{AE3F4F02-A664-E449-9F2C-E1B4E5AAC933}" type="datetimeFigureOut">
               <a:rPr kumimoji="1" lang="ja-JP" altLang="en-US" smtClean="0"/>
-              <a:t>2024/11/18</a:t>
+              <a:t>2024/11/25</a:t>
             </a:fld>
             <a:endParaRPr kumimoji="1" lang="ja-JP" altLang="en-US"/>
           </a:p>
@@ -2352,7 +2352,7 @@
           <a:p>
             <a:fld id="{AE3F4F02-A664-E449-9F2C-E1B4E5AAC933}" type="datetimeFigureOut">
               <a:rPr kumimoji="1" lang="ja-JP" altLang="en-US" smtClean="0"/>
-              <a:t>2024/11/18</a:t>
+              <a:t>2024/11/25</a:t>
             </a:fld>
             <a:endParaRPr kumimoji="1" lang="ja-JP" altLang="en-US"/>
           </a:p>
@@ -2609,7 +2609,7 @@
           <a:p>
             <a:fld id="{AE3F4F02-A664-E449-9F2C-E1B4E5AAC933}" type="datetimeFigureOut">
               <a:rPr kumimoji="1" lang="ja-JP" altLang="en-US" smtClean="0"/>
-              <a:t>2024/11/18</a:t>
+              <a:t>2024/11/25</a:t>
             </a:fld>
             <a:endParaRPr kumimoji="1" lang="ja-JP" altLang="en-US"/>
           </a:p>
@@ -2854,7 +2854,7 @@
           <a:p>
             <a:fld id="{AE3F4F02-A664-E449-9F2C-E1B4E5AAC933}" type="datetimeFigureOut">
               <a:rPr kumimoji="1" lang="ja-JP" altLang="en-US" smtClean="0"/>
-              <a:t>2024/11/18</a:t>
+              <a:t>2024/11/25</a:t>
             </a:fld>
             <a:endParaRPr kumimoji="1" lang="ja-JP" altLang="en-US"/>
           </a:p>
@@ -3398,7 +3398,7 @@
                 <a:latin typeface="MS Mincho" panose="02020609040205080304" pitchFamily="49" charset="-128"/>
                 <a:ea typeface="MS Mincho" panose="02020609040205080304" pitchFamily="49" charset="-128"/>
               </a:rPr>
-              <a:t> if IR = SETIXF, SETIXL, LDIA, LDIB, JP, JPZ(Z=1), JPC(C=1)</a:t>
+              <a:t> if IR = SETIXH, SETIXL, LDIA, LDIB, JP, JPZ(Z=1), JPC(C=1)</a:t>
             </a:r>
           </a:p>
           <a:p>
@@ -16762,12 +16762,16 @@
           <a:p>
             <a:pPr algn="ctr"/>
             <a:r>
-              <a:rPr lang="en-US" altLang="ja-JP" sz="1200" dirty="0">
+              <a:rPr lang="en-US" altLang="ja-JP" sz="1200" dirty="0" err="1">
                 <a:latin typeface="MS Mincho" panose="02020609040205080304" pitchFamily="49" charset="-128"/>
                 <a:ea typeface="MS Mincho" panose="02020609040205080304" pitchFamily="49" charset="-128"/>
               </a:rPr>
-              <a:t>Cel</a:t>
-            </a:r>
+              <a:t>csl</a:t>
+            </a:r>
+            <a:endParaRPr lang="en-US" altLang="ja-JP" sz="1200" dirty="0">
+              <a:latin typeface="MS Mincho" panose="02020609040205080304" pitchFamily="49" charset="-128"/>
+              <a:ea typeface="MS Mincho" panose="02020609040205080304" pitchFamily="49" charset="-128"/>
+            </a:endParaRPr>
           </a:p>
           <a:p>
             <a:pPr algn="ctr"/>
